--- a/main figure our approach.pptx
+++ b/main figure our approach.pptx
@@ -520,7 +520,9 @@
         <c:spPr>
           <a:noFill/>
           <a:ln>
-            <a:noFill/>
+            <a:solidFill>
+              <a:sysClr val="windowText" lastClr="000000"/>
+            </a:solidFill>
           </a:ln>
           <a:effectLst/>
         </c:spPr>
@@ -993,7 +995,9 @@
         <c:spPr>
           <a:noFill/>
           <a:ln>
-            <a:noFill/>
+            <a:solidFill>
+              <a:sysClr val="windowText" lastClr="000000"/>
+            </a:solidFill>
           </a:ln>
           <a:effectLst/>
         </c:spPr>
@@ -1401,7 +1405,9 @@
         <c:spPr>
           <a:noFill/>
           <a:ln>
-            <a:noFill/>
+            <a:solidFill>
+              <a:sysClr val="windowText" lastClr="000000"/>
+            </a:solidFill>
           </a:ln>
           <a:effectLst/>
         </c:spPr>
@@ -1879,7 +1885,9 @@
         <c:spPr>
           <a:noFill/>
           <a:ln>
-            <a:noFill/>
+            <a:solidFill>
+              <a:schemeClr val="tx1"/>
+            </a:solidFill>
           </a:ln>
           <a:effectLst/>
         </c:spPr>
@@ -4266,7 +4274,7 @@
           <a:p>
             <a:fld id="{A4BE74E3-B2DA-4705-BC02-F2D831A5659C}" type="datetimeFigureOut">
               <a:rPr lang="en-US" smtClean="0"/>
-              <a:t>6/2/2020</a:t>
+              <a:t>6/3/2020</a:t>
             </a:fld>
             <a:endParaRPr lang="en-US"/>
           </a:p>
@@ -4464,7 +4472,7 @@
           <a:p>
             <a:fld id="{A4BE74E3-B2DA-4705-BC02-F2D831A5659C}" type="datetimeFigureOut">
               <a:rPr lang="en-US" smtClean="0"/>
-              <a:t>6/2/2020</a:t>
+              <a:t>6/3/2020</a:t>
             </a:fld>
             <a:endParaRPr lang="en-US"/>
           </a:p>
@@ -4672,7 +4680,7 @@
           <a:p>
             <a:fld id="{A4BE74E3-B2DA-4705-BC02-F2D831A5659C}" type="datetimeFigureOut">
               <a:rPr lang="en-US" smtClean="0"/>
-              <a:t>6/2/2020</a:t>
+              <a:t>6/3/2020</a:t>
             </a:fld>
             <a:endParaRPr lang="en-US"/>
           </a:p>
@@ -4870,7 +4878,7 @@
           <a:p>
             <a:fld id="{A4BE74E3-B2DA-4705-BC02-F2D831A5659C}" type="datetimeFigureOut">
               <a:rPr lang="en-US" smtClean="0"/>
-              <a:t>6/2/2020</a:t>
+              <a:t>6/3/2020</a:t>
             </a:fld>
             <a:endParaRPr lang="en-US"/>
           </a:p>
@@ -5145,7 +5153,7 @@
           <a:p>
             <a:fld id="{A4BE74E3-B2DA-4705-BC02-F2D831A5659C}" type="datetimeFigureOut">
               <a:rPr lang="en-US" smtClean="0"/>
-              <a:t>6/2/2020</a:t>
+              <a:t>6/3/2020</a:t>
             </a:fld>
             <a:endParaRPr lang="en-US"/>
           </a:p>
@@ -5410,7 +5418,7 @@
           <a:p>
             <a:fld id="{A4BE74E3-B2DA-4705-BC02-F2D831A5659C}" type="datetimeFigureOut">
               <a:rPr lang="en-US" smtClean="0"/>
-              <a:t>6/2/2020</a:t>
+              <a:t>6/3/2020</a:t>
             </a:fld>
             <a:endParaRPr lang="en-US"/>
           </a:p>
@@ -5822,7 +5830,7 @@
           <a:p>
             <a:fld id="{A4BE74E3-B2DA-4705-BC02-F2D831A5659C}" type="datetimeFigureOut">
               <a:rPr lang="en-US" smtClean="0"/>
-              <a:t>6/2/2020</a:t>
+              <a:t>6/3/2020</a:t>
             </a:fld>
             <a:endParaRPr lang="en-US"/>
           </a:p>
@@ -5963,7 +5971,7 @@
           <a:p>
             <a:fld id="{A4BE74E3-B2DA-4705-BC02-F2D831A5659C}" type="datetimeFigureOut">
               <a:rPr lang="en-US" smtClean="0"/>
-              <a:t>6/2/2020</a:t>
+              <a:t>6/3/2020</a:t>
             </a:fld>
             <a:endParaRPr lang="en-US"/>
           </a:p>
@@ -6076,7 +6084,7 @@
           <a:p>
             <a:fld id="{A4BE74E3-B2DA-4705-BC02-F2D831A5659C}" type="datetimeFigureOut">
               <a:rPr lang="en-US" smtClean="0"/>
-              <a:t>6/2/2020</a:t>
+              <a:t>6/3/2020</a:t>
             </a:fld>
             <a:endParaRPr lang="en-US"/>
           </a:p>
@@ -6387,7 +6395,7 @@
           <a:p>
             <a:fld id="{A4BE74E3-B2DA-4705-BC02-F2D831A5659C}" type="datetimeFigureOut">
               <a:rPr lang="en-US" smtClean="0"/>
-              <a:t>6/2/2020</a:t>
+              <a:t>6/3/2020</a:t>
             </a:fld>
             <a:endParaRPr lang="en-US"/>
           </a:p>
@@ -6675,7 +6683,7 @@
           <a:p>
             <a:fld id="{A4BE74E3-B2DA-4705-BC02-F2D831A5659C}" type="datetimeFigureOut">
               <a:rPr lang="en-US" smtClean="0"/>
-              <a:t>6/2/2020</a:t>
+              <a:t>6/3/2020</a:t>
             </a:fld>
             <a:endParaRPr lang="en-US"/>
           </a:p>
@@ -6916,7 +6924,7 @@
           <a:p>
             <a:fld id="{A4BE74E3-B2DA-4705-BC02-F2D831A5659C}" type="datetimeFigureOut">
               <a:rPr lang="en-US" smtClean="0"/>
-              <a:t>6/2/2020</a:t>
+              <a:t>6/3/2020</a:t>
             </a:fld>
             <a:endParaRPr lang="en-US"/>
           </a:p>
@@ -7348,7 +7356,7 @@
           <p:nvPr>
             <p:extLst>
               <p:ext uri="{D42A27DB-BD31-4B8C-83A1-F6EECF244321}">
-                <p14:modId xmlns:p14="http://schemas.microsoft.com/office/powerpoint/2010/main" val="2220059960"/>
+                <p14:modId xmlns:p14="http://schemas.microsoft.com/office/powerpoint/2010/main" val="1251675851"/>
               </p:ext>
             </p:extLst>
           </p:nvPr>
@@ -7378,7 +7386,7 @@
           <p:nvPr>
             <p:extLst>
               <p:ext uri="{D42A27DB-BD31-4B8C-83A1-F6EECF244321}">
-                <p14:modId xmlns:p14="http://schemas.microsoft.com/office/powerpoint/2010/main" val="2452940802"/>
+                <p14:modId xmlns:p14="http://schemas.microsoft.com/office/powerpoint/2010/main" val="2065571163"/>
               </p:ext>
             </p:extLst>
           </p:nvPr>
@@ -7408,7 +7416,7 @@
           <p:nvPr>
             <p:extLst>
               <p:ext uri="{D42A27DB-BD31-4B8C-83A1-F6EECF244321}">
-                <p14:modId xmlns:p14="http://schemas.microsoft.com/office/powerpoint/2010/main" val="4178041750"/>
+                <p14:modId xmlns:p14="http://schemas.microsoft.com/office/powerpoint/2010/main" val="2724889069"/>
               </p:ext>
             </p:extLst>
           </p:nvPr>
@@ -7438,7 +7446,7 @@
           <p:nvPr>
             <p:extLst>
               <p:ext uri="{D42A27DB-BD31-4B8C-83A1-F6EECF244321}">
-                <p14:modId xmlns:p14="http://schemas.microsoft.com/office/powerpoint/2010/main" val="251367359"/>
+                <p14:modId xmlns:p14="http://schemas.microsoft.com/office/powerpoint/2010/main" val="547682361"/>
               </p:ext>
             </p:extLst>
           </p:nvPr>
